--- a/pictures/PackBot Chassis Anatomy.pptx
+++ b/pictures/PackBot Chassis Anatomy.pptx
@@ -289,7 +289,8 @@
           <a:p>
             <a:fld id="{121B1D8E-873A-4464-8D54-EE44D3CF1068}" type="datetimeFigureOut">
               <a:rPr lang="en-US" smtClean="0"/>
-              <a:t>11/29/2014</a:t>
+              <a:pPr/>
+              <a:t>3/15/2015</a:t>
             </a:fld>
             <a:endParaRPr lang="en-US"/>
           </a:p>
@@ -331,6 +332,7 @@
           <a:p>
             <a:fld id="{5AAC106B-AA1B-4C3B-9274-9F6C819487D1}" type="slidenum">
               <a:rPr lang="en-US" smtClean="0"/>
+              <a:pPr/>
               <a:t>‹#›</a:t>
             </a:fld>
             <a:endParaRPr lang="en-US"/>
@@ -454,7 +456,8 @@
           <a:p>
             <a:fld id="{121B1D8E-873A-4464-8D54-EE44D3CF1068}" type="datetimeFigureOut">
               <a:rPr lang="en-US" smtClean="0"/>
-              <a:t>11/29/2014</a:t>
+              <a:pPr/>
+              <a:t>3/15/2015</a:t>
             </a:fld>
             <a:endParaRPr lang="en-US"/>
           </a:p>
@@ -496,6 +499,7 @@
           <a:p>
             <a:fld id="{5AAC106B-AA1B-4C3B-9274-9F6C819487D1}" type="slidenum">
               <a:rPr lang="en-US" smtClean="0"/>
+              <a:pPr/>
               <a:t>‹#›</a:t>
             </a:fld>
             <a:endParaRPr lang="en-US"/>
@@ -629,7 +633,8 @@
           <a:p>
             <a:fld id="{121B1D8E-873A-4464-8D54-EE44D3CF1068}" type="datetimeFigureOut">
               <a:rPr lang="en-US" smtClean="0"/>
-              <a:t>11/29/2014</a:t>
+              <a:pPr/>
+              <a:t>3/15/2015</a:t>
             </a:fld>
             <a:endParaRPr lang="en-US"/>
           </a:p>
@@ -671,6 +676,7 @@
           <a:p>
             <a:fld id="{5AAC106B-AA1B-4C3B-9274-9F6C819487D1}" type="slidenum">
               <a:rPr lang="en-US" smtClean="0"/>
+              <a:pPr/>
               <a:t>‹#›</a:t>
             </a:fld>
             <a:endParaRPr lang="en-US"/>
@@ -794,7 +800,8 @@
           <a:p>
             <a:fld id="{121B1D8E-873A-4464-8D54-EE44D3CF1068}" type="datetimeFigureOut">
               <a:rPr lang="en-US" smtClean="0"/>
-              <a:t>11/29/2014</a:t>
+              <a:pPr/>
+              <a:t>3/15/2015</a:t>
             </a:fld>
             <a:endParaRPr lang="en-US"/>
           </a:p>
@@ -836,6 +843,7 @@
           <a:p>
             <a:fld id="{5AAC106B-AA1B-4C3B-9274-9F6C819487D1}" type="slidenum">
               <a:rPr lang="en-US" smtClean="0"/>
+              <a:pPr/>
               <a:t>‹#›</a:t>
             </a:fld>
             <a:endParaRPr lang="en-US"/>
@@ -1035,7 +1043,8 @@
           <a:p>
             <a:fld id="{121B1D8E-873A-4464-8D54-EE44D3CF1068}" type="datetimeFigureOut">
               <a:rPr lang="en-US" smtClean="0"/>
-              <a:t>11/29/2014</a:t>
+              <a:pPr/>
+              <a:t>3/15/2015</a:t>
             </a:fld>
             <a:endParaRPr lang="en-US"/>
           </a:p>
@@ -1077,6 +1086,7 @@
           <a:p>
             <a:fld id="{5AAC106B-AA1B-4C3B-9274-9F6C819487D1}" type="slidenum">
               <a:rPr lang="en-US" smtClean="0"/>
+              <a:pPr/>
               <a:t>‹#›</a:t>
             </a:fld>
             <a:endParaRPr lang="en-US"/>
@@ -1318,7 +1328,8 @@
           <a:p>
             <a:fld id="{121B1D8E-873A-4464-8D54-EE44D3CF1068}" type="datetimeFigureOut">
               <a:rPr lang="en-US" smtClean="0"/>
-              <a:t>11/29/2014</a:t>
+              <a:pPr/>
+              <a:t>3/15/2015</a:t>
             </a:fld>
             <a:endParaRPr lang="en-US"/>
           </a:p>
@@ -1360,6 +1371,7 @@
           <a:p>
             <a:fld id="{5AAC106B-AA1B-4C3B-9274-9F6C819487D1}" type="slidenum">
               <a:rPr lang="en-US" smtClean="0"/>
+              <a:pPr/>
               <a:t>‹#›</a:t>
             </a:fld>
             <a:endParaRPr lang="en-US"/>
@@ -1735,7 +1747,8 @@
           <a:p>
             <a:fld id="{121B1D8E-873A-4464-8D54-EE44D3CF1068}" type="datetimeFigureOut">
               <a:rPr lang="en-US" smtClean="0"/>
-              <a:t>11/29/2014</a:t>
+              <a:pPr/>
+              <a:t>3/15/2015</a:t>
             </a:fld>
             <a:endParaRPr lang="en-US"/>
           </a:p>
@@ -1777,6 +1790,7 @@
           <a:p>
             <a:fld id="{5AAC106B-AA1B-4C3B-9274-9F6C819487D1}" type="slidenum">
               <a:rPr lang="en-US" smtClean="0"/>
+              <a:pPr/>
               <a:t>‹#›</a:t>
             </a:fld>
             <a:endParaRPr lang="en-US"/>
@@ -1848,7 +1862,8 @@
           <a:p>
             <a:fld id="{121B1D8E-873A-4464-8D54-EE44D3CF1068}" type="datetimeFigureOut">
               <a:rPr lang="en-US" smtClean="0"/>
-              <a:t>11/29/2014</a:t>
+              <a:pPr/>
+              <a:t>3/15/2015</a:t>
             </a:fld>
             <a:endParaRPr lang="en-US"/>
           </a:p>
@@ -1890,6 +1905,7 @@
           <a:p>
             <a:fld id="{5AAC106B-AA1B-4C3B-9274-9F6C819487D1}" type="slidenum">
               <a:rPr lang="en-US" smtClean="0"/>
+              <a:pPr/>
               <a:t>‹#›</a:t>
             </a:fld>
             <a:endParaRPr lang="en-US"/>
@@ -1938,7 +1954,8 @@
           <a:p>
             <a:fld id="{121B1D8E-873A-4464-8D54-EE44D3CF1068}" type="datetimeFigureOut">
               <a:rPr lang="en-US" smtClean="0"/>
-              <a:t>11/29/2014</a:t>
+              <a:pPr/>
+              <a:t>3/15/2015</a:t>
             </a:fld>
             <a:endParaRPr lang="en-US"/>
           </a:p>
@@ -1980,6 +1997,7 @@
           <a:p>
             <a:fld id="{5AAC106B-AA1B-4C3B-9274-9F6C819487D1}" type="slidenum">
               <a:rPr lang="en-US" smtClean="0"/>
+              <a:pPr/>
               <a:t>‹#›</a:t>
             </a:fld>
             <a:endParaRPr lang="en-US"/>
@@ -2210,7 +2228,8 @@
           <a:p>
             <a:fld id="{121B1D8E-873A-4464-8D54-EE44D3CF1068}" type="datetimeFigureOut">
               <a:rPr lang="en-US" smtClean="0"/>
-              <a:t>11/29/2014</a:t>
+              <a:pPr/>
+              <a:t>3/15/2015</a:t>
             </a:fld>
             <a:endParaRPr lang="en-US"/>
           </a:p>
@@ -2252,6 +2271,7 @@
           <a:p>
             <a:fld id="{5AAC106B-AA1B-4C3B-9274-9F6C819487D1}" type="slidenum">
               <a:rPr lang="en-US" smtClean="0"/>
+              <a:pPr/>
               <a:t>‹#›</a:t>
             </a:fld>
             <a:endParaRPr lang="en-US"/>
@@ -2458,7 +2478,8 @@
           <a:p>
             <a:fld id="{121B1D8E-873A-4464-8D54-EE44D3CF1068}" type="datetimeFigureOut">
               <a:rPr lang="en-US" smtClean="0"/>
-              <a:t>11/29/2014</a:t>
+              <a:pPr/>
+              <a:t>3/15/2015</a:t>
             </a:fld>
             <a:endParaRPr lang="en-US"/>
           </a:p>
@@ -2500,6 +2521,7 @@
           <a:p>
             <a:fld id="{5AAC106B-AA1B-4C3B-9274-9F6C819487D1}" type="slidenum">
               <a:rPr lang="en-US" smtClean="0"/>
+              <a:pPr/>
               <a:t>‹#›</a:t>
             </a:fld>
             <a:endParaRPr lang="en-US"/>
@@ -2666,7 +2688,8 @@
           <a:p>
             <a:fld id="{121B1D8E-873A-4464-8D54-EE44D3CF1068}" type="datetimeFigureOut">
               <a:rPr lang="en-US" smtClean="0"/>
-              <a:t>11/29/2014</a:t>
+              <a:pPr/>
+              <a:t>3/15/2015</a:t>
             </a:fld>
             <a:endParaRPr lang="en-US"/>
           </a:p>
@@ -2744,6 +2767,7 @@
           <a:p>
             <a:fld id="{5AAC106B-AA1B-4C3B-9274-9F6C819487D1}" type="slidenum">
               <a:rPr lang="en-US" smtClean="0"/>
+              <a:pPr/>
               <a:t>‹#›</a:t>
             </a:fld>
             <a:endParaRPr lang="en-US"/>
@@ -3060,45 +3084,13 @@
             <a:avLst/>
           </a:prstGeom>
           <a:noFill/>
+          <a:ln>
+            <a:solidFill>
+              <a:schemeClr val="tx1"/>
+            </a:solidFill>
+          </a:ln>
         </p:spPr>
       </p:pic>
-      <p:sp>
-        <p:nvSpPr>
-          <p:cNvPr id="2" name="Title 1"/>
-          <p:cNvSpPr>
-            <a:spLocks noGrp="1"/>
-          </p:cNvSpPr>
-          <p:nvPr>
-            <p:ph type="title"/>
-          </p:nvPr>
-        </p:nvSpPr>
-        <p:spPr>
-          <a:xfrm>
-            <a:off x="914400" y="381000"/>
-            <a:ext cx="8229600" cy="1143000"/>
-          </a:xfrm>
-        </p:spPr>
-        <p:txBody>
-          <a:bodyPr/>
-          <a:lstStyle/>
-          <a:p>
-            <a:pPr algn="r"/>
-            <a:r>
-              <a:rPr lang="en-US" sz="2400" dirty="0" smtClean="0">
-                <a:solidFill>
-                  <a:schemeClr val="bg1"/>
-                </a:solidFill>
-              </a:rPr>
-              <a:t>PackBot Chassis Anatomy</a:t>
-            </a:r>
-            <a:endParaRPr lang="en-US" sz="2400" dirty="0">
-              <a:solidFill>
-                <a:schemeClr val="bg1"/>
-              </a:solidFill>
-            </a:endParaRPr>
-          </a:p>
-        </p:txBody>
-      </p:sp>
       <p:sp>
         <p:nvSpPr>
           <p:cNvPr id="5" name="Line Callout 1 4"/>
@@ -3107,7 +3099,7 @@
         </p:nvSpPr>
         <p:spPr>
           <a:xfrm>
-            <a:off x="381000" y="1447800"/>
+            <a:off x="457200" y="1600200"/>
             <a:ext cx="1828800" cy="838200"/>
           </a:xfrm>
           <a:prstGeom prst="borderCallout1">
@@ -3118,12 +3110,10 @@
               <a:gd name="adj4" fmla="val 100513"/>
             </a:avLst>
           </a:prstGeom>
+          <a:noFill/>
           <a:ln>
             <a:solidFill>
-              <a:schemeClr val="accent1">
-                <a:lumMod val="20000"/>
-                <a:lumOff val="80000"/>
-              </a:schemeClr>
+              <a:schemeClr val="tx1"/>
             </a:solidFill>
           </a:ln>
         </p:spPr>
@@ -3149,10 +3139,18 @@
           <a:p>
             <a:pPr algn="ctr"/>
             <a:r>
-              <a:rPr lang="en-US" dirty="0" smtClean="0"/>
+              <a:rPr lang="en-US" b="1" dirty="0" smtClean="0">
+                <a:solidFill>
+                  <a:schemeClr val="tx1"/>
+                </a:solidFill>
+              </a:rPr>
               <a:t>Chassis</a:t>
             </a:r>
-            <a:endParaRPr lang="en-US" dirty="0"/>
+            <a:endParaRPr lang="en-US" b="1" dirty="0">
+              <a:solidFill>
+                <a:schemeClr val="tx1"/>
+              </a:solidFill>
+            </a:endParaRPr>
           </a:p>
         </p:txBody>
       </p:sp>
@@ -3164,23 +3162,23 @@
         </p:nvSpPr>
         <p:spPr>
           <a:xfrm>
-            <a:off x="3429000" y="5181600"/>
+            <a:off x="2514600" y="5105400"/>
             <a:ext cx="1828800" cy="838200"/>
           </a:xfrm>
           <a:prstGeom prst="borderCallout1">
             <a:avLst>
               <a:gd name="adj1" fmla="val -550"/>
               <a:gd name="adj2" fmla="val 49744"/>
-              <a:gd name="adj3" fmla="val -101487"/>
-              <a:gd name="adj4" fmla="val 13975"/>
+              <a:gd name="adj3" fmla="val -97370"/>
+              <a:gd name="adj4" fmla="val 63032"/>
             </a:avLst>
           </a:prstGeom>
+          <a:solidFill>
+            <a:schemeClr val="bg1"/>
+          </a:solidFill>
           <a:ln>
             <a:solidFill>
-              <a:schemeClr val="accent1">
-                <a:lumMod val="20000"/>
-                <a:lumOff val="80000"/>
-              </a:schemeClr>
+              <a:schemeClr val="tx1"/>
             </a:solidFill>
           </a:ln>
         </p:spPr>
@@ -3206,10 +3204,18 @@
           <a:p>
             <a:pPr algn="ctr"/>
             <a:r>
-              <a:rPr lang="en-US" dirty="0" smtClean="0"/>
+              <a:rPr lang="en-US" b="1" dirty="0" smtClean="0">
+                <a:solidFill>
+                  <a:schemeClr val="tx1"/>
+                </a:solidFill>
+              </a:rPr>
               <a:t>Battery Cradle</a:t>
             </a:r>
-            <a:endParaRPr lang="en-US" dirty="0"/>
+            <a:endParaRPr lang="en-US" b="1" dirty="0">
+              <a:solidFill>
+                <a:schemeClr val="tx1"/>
+              </a:solidFill>
+            </a:endParaRPr>
           </a:p>
         </p:txBody>
       </p:sp>
@@ -3221,7 +3227,7 @@
         </p:nvSpPr>
         <p:spPr>
           <a:xfrm>
-            <a:off x="304800" y="3962400"/>
+            <a:off x="457200" y="4038600"/>
             <a:ext cx="1828800" cy="838200"/>
           </a:xfrm>
           <a:prstGeom prst="borderCallout1">
@@ -3232,12 +3238,10 @@
               <a:gd name="adj4" fmla="val 154360"/>
             </a:avLst>
           </a:prstGeom>
+          <a:noFill/>
           <a:ln>
             <a:solidFill>
-              <a:schemeClr val="accent1">
-                <a:lumMod val="20000"/>
-                <a:lumOff val="80000"/>
-              </a:schemeClr>
+              <a:schemeClr val="tx1"/>
             </a:solidFill>
           </a:ln>
         </p:spPr>
@@ -3263,10 +3267,18 @@
           <a:p>
             <a:pPr algn="ctr"/>
             <a:r>
-              <a:rPr lang="en-US" dirty="0" smtClean="0"/>
+              <a:rPr lang="en-US" b="1" dirty="0" smtClean="0">
+                <a:solidFill>
+                  <a:schemeClr val="tx1"/>
+                </a:solidFill>
+              </a:rPr>
               <a:t>BB-2590 Battery</a:t>
             </a:r>
-            <a:endParaRPr lang="en-US" dirty="0"/>
+            <a:endParaRPr lang="en-US" b="1" dirty="0">
+              <a:solidFill>
+                <a:schemeClr val="tx1"/>
+              </a:solidFill>
+            </a:endParaRPr>
           </a:p>
         </p:txBody>
       </p:sp>
@@ -3278,23 +3290,21 @@
         </p:nvSpPr>
         <p:spPr>
           <a:xfrm>
-            <a:off x="7162800" y="1752600"/>
+            <a:off x="6934200" y="1981200"/>
             <a:ext cx="1828800" cy="838200"/>
           </a:xfrm>
           <a:prstGeom prst="borderCallout1">
             <a:avLst>
               <a:gd name="adj1" fmla="val 50639"/>
               <a:gd name="adj2" fmla="val 128"/>
-              <a:gd name="adj3" fmla="val 211521"/>
-              <a:gd name="adj4" fmla="val -120257"/>
+              <a:gd name="adj3" fmla="val 187850"/>
+              <a:gd name="adj4" fmla="val -115540"/>
             </a:avLst>
           </a:prstGeom>
+          <a:noFill/>
           <a:ln>
             <a:solidFill>
-              <a:schemeClr val="accent1">
-                <a:lumMod val="20000"/>
-                <a:lumOff val="80000"/>
-              </a:schemeClr>
+              <a:schemeClr val="tx1"/>
             </a:solidFill>
           </a:ln>
         </p:spPr>
@@ -3320,10 +3330,18 @@
           <a:p>
             <a:pPr algn="ctr"/>
             <a:r>
-              <a:rPr lang="en-US" dirty="0" smtClean="0"/>
+              <a:rPr lang="en-US" b="1" dirty="0" smtClean="0">
+                <a:solidFill>
+                  <a:schemeClr val="tx1"/>
+                </a:solidFill>
+              </a:rPr>
               <a:t>Payload Bays</a:t>
             </a:r>
-            <a:endParaRPr lang="en-US" dirty="0"/>
+            <a:endParaRPr lang="en-US" b="1" dirty="0">
+              <a:solidFill>
+                <a:schemeClr val="tx1"/>
+              </a:solidFill>
+            </a:endParaRPr>
           </a:p>
         </p:txBody>
       </p:sp>
@@ -3343,17 +3361,10 @@
               <a:gd name="adj" fmla="val 45074"/>
             </a:avLst>
           </a:prstGeom>
-          <a:solidFill>
-            <a:schemeClr val="accent1">
-              <a:alpha val="30000"/>
-            </a:schemeClr>
-          </a:solidFill>
+          <a:noFill/>
           <a:ln>
             <a:solidFill>
-              <a:schemeClr val="accent1">
-                <a:lumMod val="20000"/>
-                <a:lumOff val="80000"/>
-              </a:schemeClr>
+              <a:schemeClr val="tx1"/>
             </a:solidFill>
           </a:ln>
         </p:spPr>
@@ -3378,32 +3389,31 @@
           <a:lstStyle/>
           <a:p>
             <a:pPr algn="ctr"/>
-            <a:endParaRPr lang="en-US"/>
+            <a:endParaRPr lang="en-US" b="1">
+              <a:solidFill>
+                <a:schemeClr val="tx1"/>
+              </a:solidFill>
+            </a:endParaRPr>
           </a:p>
         </p:txBody>
       </p:sp>
       <p:cxnSp>
         <p:nvCxnSpPr>
           <p:cNvPr id="15" name="Straight Connector 14"/>
-          <p:cNvCxnSpPr>
-            <a:stCxn id="8" idx="2"/>
-          </p:cNvCxnSpPr>
+          <p:cNvCxnSpPr/>
           <p:nvPr/>
         </p:nvCxnSpPr>
         <p:spPr>
           <a:xfrm flipH="1">
-            <a:off x="4876800" y="2171700"/>
-            <a:ext cx="2286000" cy="1638300"/>
+            <a:off x="4876800" y="2438400"/>
+            <a:ext cx="1981200" cy="1371600"/>
           </a:xfrm>
           <a:prstGeom prst="line">
             <a:avLst/>
           </a:prstGeom>
           <a:ln w="28575">
             <a:solidFill>
-              <a:schemeClr val="accent1">
-                <a:lumMod val="20000"/>
-                <a:lumOff val="80000"/>
-              </a:schemeClr>
+              <a:schemeClr val="tx1"/>
             </a:solidFill>
           </a:ln>
         </p:spPr>
@@ -3425,25 +3435,20 @@
       <p:cxnSp>
         <p:nvCxnSpPr>
           <p:cNvPr id="16" name="Straight Connector 15"/>
-          <p:cNvCxnSpPr>
-            <a:stCxn id="8" idx="2"/>
-          </p:cNvCxnSpPr>
+          <p:cNvCxnSpPr/>
           <p:nvPr/>
         </p:nvCxnSpPr>
         <p:spPr>
           <a:xfrm flipH="1">
-            <a:off x="4953000" y="2171700"/>
-            <a:ext cx="2209800" cy="2019300"/>
+            <a:off x="4953000" y="2438400"/>
+            <a:ext cx="1905000" cy="1752600"/>
           </a:xfrm>
           <a:prstGeom prst="line">
             <a:avLst/>
           </a:prstGeom>
           <a:ln w="28575">
             <a:solidFill>
-              <a:schemeClr val="accent1">
-                <a:lumMod val="20000"/>
-                <a:lumOff val="80000"/>
-              </a:schemeClr>
+              <a:schemeClr val="tx1"/>
             </a:solidFill>
           </a:ln>
         </p:spPr>
@@ -3478,17 +3483,10 @@
               <a:gd name="adj" fmla="val 45074"/>
             </a:avLst>
           </a:prstGeom>
-          <a:solidFill>
-            <a:schemeClr val="accent1">
-              <a:alpha val="30000"/>
-            </a:schemeClr>
-          </a:solidFill>
+          <a:noFill/>
           <a:ln>
             <a:solidFill>
-              <a:schemeClr val="accent1">
-                <a:lumMod val="20000"/>
-                <a:lumOff val="80000"/>
-              </a:schemeClr>
+              <a:schemeClr val="tx1"/>
             </a:solidFill>
           </a:ln>
         </p:spPr>
@@ -3513,7 +3511,11 @@
           <a:lstStyle/>
           <a:p>
             <a:pPr algn="ctr"/>
-            <a:endParaRPr lang="en-US"/>
+            <a:endParaRPr lang="en-US" b="1">
+              <a:solidFill>
+                <a:schemeClr val="tx1"/>
+              </a:solidFill>
+            </a:endParaRPr>
           </a:p>
         </p:txBody>
       </p:sp>
@@ -3533,17 +3535,10 @@
               <a:gd name="adj" fmla="val 45074"/>
             </a:avLst>
           </a:prstGeom>
-          <a:solidFill>
-            <a:schemeClr val="accent1">
-              <a:alpha val="30000"/>
-            </a:schemeClr>
-          </a:solidFill>
+          <a:noFill/>
           <a:ln>
             <a:solidFill>
-              <a:schemeClr val="accent1">
-                <a:lumMod val="20000"/>
-                <a:lumOff val="80000"/>
-              </a:schemeClr>
+              <a:schemeClr val="tx1"/>
             </a:solidFill>
           </a:ln>
         </p:spPr>
@@ -3568,30 +3563,11 @@
           <a:lstStyle/>
           <a:p>
             <a:pPr algn="ctr"/>
-            <a:endParaRPr lang="en-US"/>
-          </a:p>
-        </p:txBody>
-      </p:sp>
-      <p:sp>
-        <p:nvSpPr>
-          <p:cNvPr id="13" name="Slide Number Placeholder 12"/>
-          <p:cNvSpPr>
-            <a:spLocks noGrp="1"/>
-          </p:cNvSpPr>
-          <p:nvPr>
-            <p:ph type="sldNum" idx="12"/>
-          </p:nvPr>
-        </p:nvSpPr>
-        <p:spPr/>
-        <p:txBody>
-          <a:bodyPr/>
-          <a:lstStyle/>
-          <a:p>
-            <a:r>
-              <a:rPr lang="en-US" dirty="0" smtClean="0"/>
-              <a:t>3</a:t>
-            </a:r>
-            <a:endParaRPr lang="en-US" dirty="0"/>
+            <a:endParaRPr lang="en-US" b="1">
+              <a:solidFill>
+                <a:schemeClr val="tx1"/>
+              </a:solidFill>
+            </a:endParaRPr>
           </a:p>
         </p:txBody>
       </p:sp>
@@ -3649,6 +3625,14 @@
           <a:prstGeom prst="rect">
             <a:avLst/>
           </a:prstGeom>
+          <a:solidFill>
+            <a:schemeClr val="bg1"/>
+          </a:solidFill>
+          <a:ln>
+            <a:solidFill>
+              <a:schemeClr val="bg1"/>
+            </a:solidFill>
+          </a:ln>
         </p:spPr>
       </p:pic>
       <p:sp>
@@ -3670,6 +3654,9 @@
               <a:gd name="adj4" fmla="val -128245"/>
             </a:avLst>
           </a:prstGeom>
+          <a:solidFill>
+            <a:schemeClr val="bg1"/>
+          </a:solidFill>
           <a:ln>
             <a:solidFill>
               <a:schemeClr val="tx1"/>
@@ -3698,10 +3685,13 @@
           <a:p>
             <a:pPr algn="ctr"/>
             <a:r>
-              <a:rPr lang="en-US" sz="1100" dirty="0" smtClean="0"/>
+              <a:rPr lang="en-US" sz="1200" b="1" dirty="0" smtClean="0">
+                <a:solidFill>
+                  <a:schemeClr val="tx1"/>
+                </a:solidFill>
+              </a:rPr>
               <a:t>Mobility Board</a:t>
             </a:r>
-            <a:endParaRPr lang="en-US" sz="1100" dirty="0" smtClean="0"/>
           </a:p>
         </p:txBody>
       </p:sp>
@@ -3724,6 +3714,9 @@
               <a:gd name="adj4" fmla="val -188862"/>
             </a:avLst>
           </a:prstGeom>
+          <a:solidFill>
+            <a:schemeClr val="bg1"/>
+          </a:solidFill>
           <a:ln>
             <a:solidFill>
               <a:schemeClr val="tx1"/>
@@ -3752,18 +3745,13 @@
           <a:p>
             <a:pPr algn="ctr"/>
             <a:r>
-              <a:rPr lang="en-US" sz="1100" dirty="0" smtClean="0"/>
-              <a:t>Right </a:t>
-            </a:r>
-            <a:r>
-              <a:rPr lang="en-US" sz="1100" dirty="0" smtClean="0"/>
-              <a:t>Lower Siderail Interface </a:t>
-            </a:r>
-            <a:r>
-              <a:rPr lang="en-US" sz="1100" dirty="0" smtClean="0"/>
-              <a:t>Board</a:t>
-            </a:r>
-            <a:endParaRPr lang="en-US" sz="1100" dirty="0" smtClean="0"/>
+              <a:rPr lang="en-US" sz="1200" b="1" dirty="0" smtClean="0">
+                <a:solidFill>
+                  <a:schemeClr val="tx1"/>
+                </a:solidFill>
+              </a:rPr>
+              <a:t>Right Lower Siderail Interface Board</a:t>
+            </a:r>
           </a:p>
         </p:txBody>
       </p:sp>
@@ -3786,6 +3774,9 @@
               <a:gd name="adj4" fmla="val -43685"/>
             </a:avLst>
           </a:prstGeom>
+          <a:solidFill>
+            <a:schemeClr val="bg1"/>
+          </a:solidFill>
           <a:ln>
             <a:solidFill>
               <a:schemeClr val="tx1"/>
@@ -3814,18 +3805,13 @@
           <a:p>
             <a:pPr algn="ctr"/>
             <a:r>
-              <a:rPr lang="en-US" sz="1100" dirty="0" smtClean="0"/>
-              <a:t>Upper </a:t>
-            </a:r>
-            <a:r>
-              <a:rPr lang="en-US" sz="1100" dirty="0" smtClean="0"/>
-              <a:t>Siderail Interface </a:t>
-            </a:r>
-            <a:r>
-              <a:rPr lang="en-US" sz="1100" dirty="0" smtClean="0"/>
-              <a:t>Board</a:t>
-            </a:r>
-            <a:endParaRPr lang="en-US" sz="1100" dirty="0" smtClean="0"/>
+              <a:rPr lang="en-US" sz="1200" b="1" dirty="0" smtClean="0">
+                <a:solidFill>
+                  <a:schemeClr val="tx1"/>
+                </a:solidFill>
+              </a:rPr>
+              <a:t>Upper Siderail Interface Board</a:t>
+            </a:r>
           </a:p>
         </p:txBody>
       </p:sp>
@@ -3848,6 +3834,9 @@
               <a:gd name="adj4" fmla="val -77745"/>
             </a:avLst>
           </a:prstGeom>
+          <a:solidFill>
+            <a:schemeClr val="bg1"/>
+          </a:solidFill>
           <a:ln>
             <a:solidFill>
               <a:schemeClr val="tx1"/>
@@ -3876,18 +3865,13 @@
           <a:p>
             <a:pPr algn="ctr"/>
             <a:r>
-              <a:rPr lang="en-US" sz="1100" dirty="0" smtClean="0"/>
-              <a:t>Left </a:t>
-            </a:r>
-            <a:r>
-              <a:rPr lang="en-US" sz="1100" dirty="0" smtClean="0"/>
-              <a:t>Lower Siderail Interface </a:t>
-            </a:r>
-            <a:r>
-              <a:rPr lang="en-US" sz="1100" dirty="0" smtClean="0"/>
-              <a:t>Board</a:t>
-            </a:r>
-            <a:endParaRPr lang="en-US" sz="1100" dirty="0" smtClean="0"/>
+              <a:rPr lang="en-US" sz="1200" b="1" dirty="0" smtClean="0">
+                <a:solidFill>
+                  <a:schemeClr val="tx1"/>
+                </a:solidFill>
+              </a:rPr>
+              <a:t>Left Lower Siderail Interface Board</a:t>
+            </a:r>
           </a:p>
         </p:txBody>
       </p:sp>
@@ -3910,6 +3894,9 @@
               <a:gd name="adj4" fmla="val 30372"/>
             </a:avLst>
           </a:prstGeom>
+          <a:solidFill>
+            <a:schemeClr val="bg1"/>
+          </a:solidFill>
           <a:ln>
             <a:solidFill>
               <a:schemeClr val="tx1"/>
@@ -3938,18 +3925,18 @@
           <a:p>
             <a:pPr algn="ctr"/>
             <a:r>
-              <a:rPr lang="en-US" sz="1100" dirty="0" smtClean="0"/>
-              <a:t>Upper </a:t>
-            </a:r>
-            <a:r>
-              <a:rPr lang="en-US" sz="1100" dirty="0" smtClean="0"/>
-              <a:t>Payload Connector </a:t>
-            </a:r>
-            <a:r>
-              <a:rPr lang="en-US" sz="1100" dirty="0" smtClean="0"/>
-              <a:t>Board</a:t>
-            </a:r>
-            <a:endParaRPr lang="en-US" sz="1100" dirty="0"/>
+              <a:rPr lang="en-US" sz="1200" b="1" dirty="0" smtClean="0">
+                <a:solidFill>
+                  <a:schemeClr val="tx1"/>
+                </a:solidFill>
+              </a:rPr>
+              <a:t>Upper Payload Connector Board</a:t>
+            </a:r>
+            <a:endParaRPr lang="en-US" sz="1200" b="1" dirty="0">
+              <a:solidFill>
+                <a:schemeClr val="tx1"/>
+              </a:solidFill>
+            </a:endParaRPr>
           </a:p>
         </p:txBody>
       </p:sp>
@@ -3972,6 +3959,9 @@
               <a:gd name="adj4" fmla="val 154696"/>
             </a:avLst>
           </a:prstGeom>
+          <a:solidFill>
+            <a:schemeClr val="bg1"/>
+          </a:solidFill>
           <a:ln>
             <a:solidFill>
               <a:schemeClr val="tx1"/>
@@ -4000,18 +3990,18 @@
           <a:p>
             <a:pPr algn="ctr"/>
             <a:r>
-              <a:rPr lang="en-US" sz="1100" dirty="0" smtClean="0"/>
-              <a:t>Upper </a:t>
-            </a:r>
-            <a:r>
-              <a:rPr lang="en-US" sz="1100" dirty="0" smtClean="0"/>
-              <a:t>Siderail Interface </a:t>
-            </a:r>
-            <a:r>
-              <a:rPr lang="en-US" sz="1100" dirty="0" smtClean="0"/>
-              <a:t>Board</a:t>
-            </a:r>
-            <a:endParaRPr lang="en-US" sz="1100" dirty="0"/>
+              <a:rPr lang="en-US" sz="1200" b="1" dirty="0" smtClean="0">
+                <a:solidFill>
+                  <a:schemeClr val="tx1"/>
+                </a:solidFill>
+              </a:rPr>
+              <a:t>Upper Siderail Interface Board</a:t>
+            </a:r>
+            <a:endParaRPr lang="en-US" sz="1200" b="1" dirty="0">
+              <a:solidFill>
+                <a:schemeClr val="tx1"/>
+              </a:solidFill>
+            </a:endParaRPr>
           </a:p>
         </p:txBody>
       </p:sp>
@@ -4034,6 +4024,9 @@
               <a:gd name="adj4" fmla="val 188814"/>
             </a:avLst>
           </a:prstGeom>
+          <a:solidFill>
+            <a:schemeClr val="bg1"/>
+          </a:solidFill>
           <a:ln>
             <a:solidFill>
               <a:schemeClr val="tx1"/>
@@ -4062,18 +4055,13 @@
           <a:p>
             <a:pPr algn="ctr"/>
             <a:r>
-              <a:rPr lang="en-US" sz="1100" dirty="0" smtClean="0"/>
-              <a:t>Lower </a:t>
-            </a:r>
-            <a:r>
-              <a:rPr lang="en-US" sz="1100" dirty="0" smtClean="0"/>
-              <a:t>Payload Connector </a:t>
-            </a:r>
-            <a:r>
-              <a:rPr lang="en-US" sz="1100" dirty="0" smtClean="0"/>
-              <a:t>Board</a:t>
-            </a:r>
-            <a:endParaRPr lang="en-US" sz="1100" dirty="0" smtClean="0"/>
+              <a:rPr lang="en-US" sz="1200" b="1" dirty="0" smtClean="0">
+                <a:solidFill>
+                  <a:schemeClr val="tx1"/>
+                </a:solidFill>
+              </a:rPr>
+              <a:t>Lower Payload Connector Board</a:t>
+            </a:r>
           </a:p>
         </p:txBody>
       </p:sp>
@@ -4096,6 +4084,9 @@
               <a:gd name="adj4" fmla="val -119363"/>
             </a:avLst>
           </a:prstGeom>
+          <a:solidFill>
+            <a:schemeClr val="bg1"/>
+          </a:solidFill>
           <a:ln>
             <a:solidFill>
               <a:schemeClr val="tx1"/>
@@ -4124,10 +4115,13 @@
           <a:p>
             <a:pPr algn="ctr"/>
             <a:r>
-              <a:rPr lang="en-US" sz="1100" dirty="0" smtClean="0"/>
+              <a:rPr lang="en-US" sz="1200" b="1" dirty="0" smtClean="0">
+                <a:solidFill>
+                  <a:schemeClr val="tx1"/>
+                </a:solidFill>
+              </a:rPr>
               <a:t>Flipper Board</a:t>
             </a:r>
-            <a:endParaRPr lang="en-US" sz="1100" dirty="0" smtClean="0"/>
           </a:p>
         </p:txBody>
       </p:sp>
@@ -4150,6 +4144,9 @@
               <a:gd name="adj4" fmla="val 220431"/>
             </a:avLst>
           </a:prstGeom>
+          <a:solidFill>
+            <a:schemeClr val="bg1"/>
+          </a:solidFill>
           <a:ln>
             <a:solidFill>
               <a:schemeClr val="tx1"/>
@@ -4178,18 +4175,13 @@
           <a:p>
             <a:pPr algn="ctr"/>
             <a:r>
-              <a:rPr lang="en-US" sz="1100" dirty="0" smtClean="0"/>
-              <a:t>AHRS </a:t>
-            </a:r>
-            <a:r>
-              <a:rPr lang="en-US" sz="1100" dirty="0" smtClean="0"/>
-              <a:t>Mounting </a:t>
-            </a:r>
-            <a:r>
-              <a:rPr lang="en-US" sz="1100" dirty="0" smtClean="0"/>
-              <a:t>Board</a:t>
-            </a:r>
-            <a:endParaRPr lang="en-US" sz="1100" dirty="0" smtClean="0"/>
+              <a:rPr lang="en-US" sz="1200" b="1" dirty="0" smtClean="0">
+                <a:solidFill>
+                  <a:schemeClr val="tx1"/>
+                </a:solidFill>
+              </a:rPr>
+              <a:t>AHRS Mounting Board</a:t>
+            </a:r>
           </a:p>
         </p:txBody>
       </p:sp>
@@ -4212,6 +4204,9 @@
               <a:gd name="adj4" fmla="val -125539"/>
             </a:avLst>
           </a:prstGeom>
+          <a:solidFill>
+            <a:schemeClr val="bg1"/>
+          </a:solidFill>
           <a:ln>
             <a:solidFill>
               <a:schemeClr val="tx1"/>
@@ -4240,18 +4235,13 @@
           <a:p>
             <a:pPr algn="ctr"/>
             <a:r>
-              <a:rPr lang="en-US" sz="1100" dirty="0" smtClean="0"/>
-              <a:t>DC Motor </a:t>
-            </a:r>
-            <a:r>
-              <a:rPr lang="en-US" sz="1100" dirty="0" smtClean="0"/>
-              <a:t>Interface </a:t>
-            </a:r>
-            <a:r>
-              <a:rPr lang="en-US" sz="1100" dirty="0" smtClean="0"/>
-              <a:t>Board</a:t>
-            </a:r>
-            <a:endParaRPr lang="en-US" sz="1100" dirty="0" smtClean="0"/>
+              <a:rPr lang="en-US" sz="1200" b="1" dirty="0" smtClean="0">
+                <a:solidFill>
+                  <a:schemeClr val="tx1"/>
+                </a:solidFill>
+              </a:rPr>
+              <a:t>DC Motor Interface Board</a:t>
+            </a:r>
           </a:p>
         </p:txBody>
       </p:sp>
@@ -4274,6 +4264,9 @@
               <a:gd name="adj4" fmla="val -131422"/>
             </a:avLst>
           </a:prstGeom>
+          <a:solidFill>
+            <a:schemeClr val="bg1"/>
+          </a:solidFill>
           <a:ln>
             <a:solidFill>
               <a:schemeClr val="tx1"/>
@@ -4302,18 +4295,13 @@
           <a:p>
             <a:pPr algn="ctr"/>
             <a:r>
-              <a:rPr lang="en-US" sz="1100" dirty="0" smtClean="0"/>
-              <a:t>DC Motor </a:t>
-            </a:r>
-            <a:r>
-              <a:rPr lang="en-US" sz="1100" dirty="0" smtClean="0"/>
-              <a:t>Interface </a:t>
-            </a:r>
-            <a:r>
-              <a:rPr lang="en-US" sz="1100" dirty="0" smtClean="0"/>
-              <a:t>Board</a:t>
-            </a:r>
-            <a:endParaRPr lang="en-US" sz="1100" dirty="0" smtClean="0"/>
+              <a:rPr lang="en-US" sz="1200" b="1" dirty="0" smtClean="0">
+                <a:solidFill>
+                  <a:schemeClr val="tx1"/>
+                </a:solidFill>
+              </a:rPr>
+              <a:t>DC Motor Interface Board</a:t>
+            </a:r>
           </a:p>
         </p:txBody>
       </p:sp>
